--- a/yfcc100m/paper/vldb2020/figures/feature_img_results.pptx
+++ b/yfcc100m/paper/vldb2020/figures/feature_img_results.pptx
@@ -2982,15 +2982,14 @@
           </p:cNvPicPr>
           <p:nvPr/>
         </p:nvPicPr>
-        <p:blipFill>
+        <p:blipFill rotWithShape="1">
           <a:blip r:embed="rId2"/>
-          <a:stretch>
-            <a:fillRect/>
-          </a:stretch>
+          <a:srcRect r="3726"/>
+          <a:stretch/>
         </p:blipFill>
         <p:spPr>
           <a:xfrm>
-            <a:off x="5246841" y="412195"/>
+            <a:off x="5297072" y="412195"/>
             <a:ext cx="914400" cy="914400"/>
           </a:xfrm>
           <a:prstGeom prst="rect">
@@ -3012,15 +3011,14 @@
           </p:cNvPicPr>
           <p:nvPr/>
         </p:nvPicPr>
-        <p:blipFill>
+        <p:blipFill rotWithShape="1">
           <a:blip r:embed="rId3"/>
-          <a:stretch>
-            <a:fillRect/>
-          </a:stretch>
+          <a:srcRect l="2335" r="3501"/>
+          <a:stretch/>
         </p:blipFill>
         <p:spPr>
           <a:xfrm>
-            <a:off x="132010" y="412195"/>
+            <a:off x="153364" y="412195"/>
             <a:ext cx="914400" cy="914400"/>
           </a:xfrm>
           <a:prstGeom prst="rect">
@@ -3042,15 +3040,14 @@
           </p:cNvPicPr>
           <p:nvPr/>
         </p:nvPicPr>
-        <p:blipFill>
+        <p:blipFill rotWithShape="1">
           <a:blip r:embed="rId4"/>
-          <a:stretch>
-            <a:fillRect/>
-          </a:stretch>
+          <a:srcRect l="4561"/>
+          <a:stretch/>
         </p:blipFill>
         <p:spPr>
           <a:xfrm>
-            <a:off x="3244645" y="412195"/>
+            <a:off x="3274843" y="412195"/>
             <a:ext cx="914400" cy="914400"/>
           </a:xfrm>
           <a:prstGeom prst="rect">
@@ -3072,15 +3069,14 @@
           </p:cNvPicPr>
           <p:nvPr/>
         </p:nvPicPr>
-        <p:blipFill>
+        <p:blipFill rotWithShape="1">
           <a:blip r:embed="rId5"/>
-          <a:stretch>
-            <a:fillRect/>
-          </a:stretch>
+          <a:srcRect l="4560" b="4213"/>
+          <a:stretch/>
         </p:blipFill>
         <p:spPr>
           <a:xfrm>
-            <a:off x="2251672" y="412195"/>
+            <a:off x="2265732" y="412195"/>
             <a:ext cx="914400" cy="914400"/>
           </a:xfrm>
           <a:prstGeom prst="rect">
@@ -3110,7 +3106,7 @@
         </p:blipFill>
         <p:spPr>
           <a:xfrm>
-            <a:off x="4246246" y="412195"/>
+            <a:off x="4283954" y="412195"/>
             <a:ext cx="914400" cy="914400"/>
           </a:xfrm>
           <a:prstGeom prst="rect">
@@ -3132,15 +3128,14 @@
           </p:cNvPicPr>
           <p:nvPr/>
         </p:nvPicPr>
-        <p:blipFill>
+        <p:blipFill rotWithShape="1">
           <a:blip r:embed="rId7"/>
-          <a:stretch>
-            <a:fillRect/>
-          </a:stretch>
+          <a:srcRect t="5511" r="4451"/>
+          <a:stretch/>
         </p:blipFill>
         <p:spPr>
           <a:xfrm>
-            <a:off x="1257693" y="412321"/>
+            <a:off x="1259871" y="412195"/>
             <a:ext cx="914400" cy="914400"/>
           </a:xfrm>
           <a:prstGeom prst="rect">
@@ -3162,15 +3157,14 @@
           </p:cNvPicPr>
           <p:nvPr/>
         </p:nvPicPr>
-        <p:blipFill>
+        <p:blipFill rotWithShape="1">
           <a:blip r:embed="rId8"/>
-          <a:stretch>
-            <a:fillRect/>
-          </a:stretch>
+          <a:srcRect t="7500"/>
+          <a:stretch/>
         </p:blipFill>
         <p:spPr>
           <a:xfrm>
-            <a:off x="6247436" y="412195"/>
+            <a:off x="6310190" y="412195"/>
             <a:ext cx="914400" cy="914400"/>
           </a:xfrm>
           <a:prstGeom prst="rect">
@@ -3270,7 +3264,7 @@
         </p:blipFill>
         <p:spPr>
           <a:xfrm>
-            <a:off x="4246246" y="1484482"/>
+            <a:off x="4283954" y="1484419"/>
             <a:ext cx="914400" cy="914400"/>
           </a:xfrm>
           <a:prstGeom prst="rect">
@@ -3300,7 +3294,7 @@
         </p:blipFill>
         <p:spPr>
           <a:xfrm>
-            <a:off x="6247436" y="1484482"/>
+            <a:off x="6310190" y="1484419"/>
             <a:ext cx="914400" cy="914400"/>
           </a:xfrm>
           <a:prstGeom prst="rect">
@@ -3322,15 +3316,14 @@
           </p:cNvPicPr>
           <p:nvPr/>
         </p:nvPicPr>
-        <p:blipFill>
+        <p:blipFill rotWithShape="1">
           <a:blip r:embed="rId11"/>
-          <a:stretch>
-            <a:fillRect/>
-          </a:stretch>
+          <a:srcRect l="1347"/>
+          <a:stretch/>
         </p:blipFill>
         <p:spPr>
           <a:xfrm>
-            <a:off x="3243473" y="1484482"/>
+            <a:off x="3274843" y="1484419"/>
             <a:ext cx="914400" cy="914400"/>
           </a:xfrm>
           <a:prstGeom prst="rect">
@@ -3360,7 +3353,7 @@
         </p:blipFill>
         <p:spPr>
           <a:xfrm>
-            <a:off x="5240684" y="1484482"/>
+            <a:off x="5297072" y="1484419"/>
             <a:ext cx="914400" cy="914400"/>
           </a:xfrm>
           <a:prstGeom prst="rect">
@@ -3382,15 +3375,14 @@
           </p:cNvPicPr>
           <p:nvPr/>
         </p:nvPicPr>
-        <p:blipFill>
+        <p:blipFill rotWithShape="1">
           <a:blip r:embed="rId13"/>
-          <a:stretch>
-            <a:fillRect/>
-          </a:stretch>
+          <a:srcRect t="4163" r="1635"/>
+          <a:stretch/>
         </p:blipFill>
         <p:spPr>
           <a:xfrm>
-            <a:off x="2251672" y="1484482"/>
+            <a:off x="2265732" y="1484419"/>
             <a:ext cx="914400" cy="914400"/>
           </a:xfrm>
           <a:prstGeom prst="rect">
@@ -3412,15 +3404,14 @@
           </p:cNvPicPr>
           <p:nvPr/>
         </p:nvPicPr>
-        <p:blipFill>
+        <p:blipFill rotWithShape="1">
           <a:blip r:embed="rId14"/>
-          <a:stretch>
-            <a:fillRect/>
-          </a:stretch>
+          <a:srcRect t="3684" r="4288"/>
+          <a:stretch/>
         </p:blipFill>
         <p:spPr>
           <a:xfrm>
-            <a:off x="1259871" y="1484482"/>
+            <a:off x="1259871" y="1484419"/>
             <a:ext cx="914400" cy="914400"/>
           </a:xfrm>
           <a:prstGeom prst="rect">
@@ -3442,15 +3433,14 @@
           </p:cNvPicPr>
           <p:nvPr/>
         </p:nvPicPr>
-        <p:blipFill>
+        <p:blipFill rotWithShape="1">
           <a:blip r:embed="rId15"/>
-          <a:stretch>
-            <a:fillRect/>
-          </a:stretch>
+          <a:srcRect l="-1" r="3501"/>
+          <a:stretch/>
         </p:blipFill>
         <p:spPr>
           <a:xfrm>
-            <a:off x="132010" y="1484482"/>
+            <a:off x="153364" y="1484419"/>
             <a:ext cx="914400" cy="914400"/>
           </a:xfrm>
           <a:prstGeom prst="rect">
@@ -3474,7 +3464,7 @@
         </p:nvCxnSpPr>
         <p:spPr>
           <a:xfrm flipV="1">
-            <a:off x="1133687" y="190706"/>
+            <a:off x="1152541" y="190706"/>
             <a:ext cx="0" cy="3382674"/>
           </a:xfrm>
           <a:prstGeom prst="line">
@@ -3518,7 +3508,7 @@
         </p:blipFill>
         <p:spPr>
           <a:xfrm>
-            <a:off x="6247436" y="2556643"/>
+            <a:off x="6306860" y="2553909"/>
             <a:ext cx="914400" cy="914400"/>
           </a:xfrm>
           <a:prstGeom prst="rect">
@@ -3540,15 +3530,14 @@
           </p:cNvPicPr>
           <p:nvPr/>
         </p:nvPicPr>
-        <p:blipFill>
+        <p:blipFill rotWithShape="1">
           <a:blip r:embed="rId17"/>
-          <a:stretch>
-            <a:fillRect/>
-          </a:stretch>
+          <a:srcRect l="3164" t="4134" r="4348"/>
+          <a:stretch/>
         </p:blipFill>
         <p:spPr>
           <a:xfrm>
-            <a:off x="1252973" y="2556643"/>
+            <a:off x="1259871" y="2556643"/>
             <a:ext cx="914400" cy="914400"/>
           </a:xfrm>
           <a:prstGeom prst="rect">
@@ -3570,15 +3559,14 @@
           </p:cNvPicPr>
           <p:nvPr/>
         </p:nvPicPr>
-        <p:blipFill>
+        <p:blipFill rotWithShape="1">
           <a:blip r:embed="rId18"/>
-          <a:stretch>
-            <a:fillRect/>
-          </a:stretch>
+          <a:srcRect l="2070"/>
+          <a:stretch/>
         </p:blipFill>
         <p:spPr>
           <a:xfrm>
-            <a:off x="5240684" y="2556643"/>
+            <a:off x="5297072" y="2560601"/>
             <a:ext cx="914400" cy="914400"/>
           </a:xfrm>
           <a:prstGeom prst="rect">
@@ -3600,15 +3588,14 @@
           </p:cNvPicPr>
           <p:nvPr/>
         </p:nvPicPr>
-        <p:blipFill>
+        <p:blipFill rotWithShape="1">
           <a:blip r:embed="rId19"/>
-          <a:stretch>
-            <a:fillRect/>
-          </a:stretch>
+          <a:srcRect l="2233" t="3651" r="4258"/>
+          <a:stretch/>
         </p:blipFill>
         <p:spPr>
           <a:xfrm>
-            <a:off x="132035" y="2557804"/>
+            <a:off x="153364" y="2556643"/>
             <a:ext cx="914400" cy="914400"/>
           </a:xfrm>
           <a:prstGeom prst="rect">
@@ -3630,15 +3617,14 @@
           </p:cNvPicPr>
           <p:nvPr/>
         </p:nvPicPr>
-        <p:blipFill>
+        <p:blipFill rotWithShape="1">
           <a:blip r:embed="rId20"/>
-          <a:stretch>
-            <a:fillRect/>
-          </a:stretch>
+          <a:srcRect t="8031" r="6486"/>
+          <a:stretch/>
         </p:blipFill>
         <p:spPr>
           <a:xfrm>
-            <a:off x="2251672" y="2556643"/>
+            <a:off x="2261048" y="2556643"/>
             <a:ext cx="914400" cy="914400"/>
           </a:xfrm>
           <a:prstGeom prst="rect">
@@ -3660,15 +3646,14 @@
           </p:cNvPicPr>
           <p:nvPr/>
         </p:nvPicPr>
-        <p:blipFill>
+        <p:blipFill rotWithShape="1">
           <a:blip r:embed="rId21"/>
-          <a:stretch>
-            <a:fillRect/>
-          </a:stretch>
+          <a:srcRect l="881" r="1710"/>
+          <a:stretch/>
         </p:blipFill>
         <p:spPr>
           <a:xfrm>
-            <a:off x="3250371" y="2556643"/>
+            <a:off x="3274166" y="2556643"/>
             <a:ext cx="914400" cy="914400"/>
           </a:xfrm>
           <a:prstGeom prst="rect">
@@ -3690,15 +3675,14 @@
           </p:cNvPicPr>
           <p:nvPr/>
         </p:nvPicPr>
-        <p:blipFill>
+        <p:blipFill rotWithShape="1">
           <a:blip r:embed="rId22"/>
-          <a:stretch>
-            <a:fillRect/>
-          </a:stretch>
+          <a:srcRect l="2070"/>
+          <a:stretch/>
         </p:blipFill>
         <p:spPr>
           <a:xfrm>
-            <a:off x="4246246" y="2556643"/>
+            <a:off x="4283954" y="2553909"/>
             <a:ext cx="914400" cy="914400"/>
           </a:xfrm>
           <a:prstGeom prst="rect">

--- a/yfcc100m/paper/vldb2020/figures/feature_img_results.pptx
+++ b/yfcc100m/paper/vldb2020/figures/feature_img_results.pptx
@@ -2,12 +2,12 @@
 <file path=ppt/presentation.xml><?xml version="1.0" encoding="utf-8"?>
 <p:presentation xmlns:a="http://schemas.openxmlformats.org/drawingml/2006/main" xmlns:r="http://schemas.openxmlformats.org/officeDocument/2006/relationships" xmlns:p="http://schemas.openxmlformats.org/presentationml/2006/main" saveSubsetFonts="1" autoCompressPictures="0">
   <p:sldMasterIdLst>
-    <p:sldMasterId id="2147483672" r:id="rId1"/>
+    <p:sldMasterId id="2147483696" r:id="rId1"/>
   </p:sldMasterIdLst>
   <p:sldIdLst>
     <p:sldId id="256" r:id="rId2"/>
   </p:sldIdLst>
-  <p:sldSz cx="7315200" cy="3657600"/>
+  <p:sldSz cx="10972800" cy="3657600"/>
   <p:notesSz cx="6858000" cy="9144000"/>
   <p:defaultTextStyle>
     <a:defPPr>
@@ -104,6 +104,11 @@
       </a:defRPr>
     </a:lvl9pPr>
   </p:defaultTextStyle>
+  <p:extLst>
+    <p:ext uri="{EFAFB233-063F-42B5-8137-9DF3F51BA10A}">
+      <p15:sldGuideLst xmlns:p15="http://schemas.microsoft.com/office/powerpoint/2012/main"/>
+    </p:ext>
+  </p:extLst>
 </p:presentation>
 </file>
 
@@ -136,8 +141,8 @@
         </p:nvSpPr>
         <p:spPr>
           <a:xfrm>
-            <a:off x="914400" y="598593"/>
-            <a:ext cx="5486400" cy="1273387"/>
+            <a:off x="1371600" y="598593"/>
+            <a:ext cx="8229600" cy="1273387"/>
           </a:xfrm>
         </p:spPr>
         <p:txBody>
@@ -168,8 +173,8 @@
         </p:nvSpPr>
         <p:spPr>
           <a:xfrm>
-            <a:off x="914400" y="1921087"/>
-            <a:ext cx="5486400" cy="883073"/>
+            <a:off x="1371600" y="1921087"/>
+            <a:ext cx="8229600" cy="883073"/>
           </a:xfrm>
         </p:spPr>
         <p:txBody>
@@ -238,7 +243,7 @@
           <a:p>
             <a:fld id="{29F53777-726B-0245-858C-03DBBE33423A}" type="datetimeFigureOut">
               <a:rPr lang="en-US" smtClean="0"/>
-              <a:t>2/2/20</a:t>
+              <a:t>2/3/20</a:t>
             </a:fld>
             <a:endParaRPr lang="en-US"/>
           </a:p>
@@ -289,7 +294,7 @@
     </p:spTree>
     <p:extLst>
       <p:ext uri="{BB962C8B-B14F-4D97-AF65-F5344CB8AC3E}">
-        <p14:creationId xmlns:p14="http://schemas.microsoft.com/office/powerpoint/2010/main" val="790808846"/>
+        <p14:creationId xmlns:p14="http://schemas.microsoft.com/office/powerpoint/2010/main" val="49468888"/>
       </p:ext>
     </p:extLst>
   </p:cSld>
@@ -408,7 +413,7 @@
           <a:p>
             <a:fld id="{29F53777-726B-0245-858C-03DBBE33423A}" type="datetimeFigureOut">
               <a:rPr lang="en-US" smtClean="0"/>
-              <a:t>2/2/20</a:t>
+              <a:t>2/3/20</a:t>
             </a:fld>
             <a:endParaRPr lang="en-US"/>
           </a:p>
@@ -459,7 +464,7 @@
     </p:spTree>
     <p:extLst>
       <p:ext uri="{BB962C8B-B14F-4D97-AF65-F5344CB8AC3E}">
-        <p14:creationId xmlns:p14="http://schemas.microsoft.com/office/powerpoint/2010/main" val="1187426070"/>
+        <p14:creationId xmlns:p14="http://schemas.microsoft.com/office/powerpoint/2010/main" val="2496099898"/>
       </p:ext>
     </p:extLst>
   </p:cSld>
@@ -498,8 +503,8 @@
         </p:nvSpPr>
         <p:spPr>
           <a:xfrm>
-            <a:off x="5234940" y="194733"/>
-            <a:ext cx="1577340" cy="3099647"/>
+            <a:off x="7852410" y="194733"/>
+            <a:ext cx="2366010" cy="3099647"/>
           </a:xfrm>
         </p:spPr>
         <p:txBody>
@@ -526,8 +531,8 @@
         </p:nvSpPr>
         <p:spPr>
           <a:xfrm>
-            <a:off x="502920" y="194733"/>
-            <a:ext cx="4640580" cy="3099647"/>
+            <a:off x="754380" y="194733"/>
+            <a:ext cx="6960870" cy="3099647"/>
           </a:xfrm>
         </p:spPr>
         <p:txBody>
@@ -588,7 +593,7 @@
           <a:p>
             <a:fld id="{29F53777-726B-0245-858C-03DBBE33423A}" type="datetimeFigureOut">
               <a:rPr lang="en-US" smtClean="0"/>
-              <a:t>2/2/20</a:t>
+              <a:t>2/3/20</a:t>
             </a:fld>
             <a:endParaRPr lang="en-US"/>
           </a:p>
@@ -639,7 +644,7 @@
     </p:spTree>
     <p:extLst>
       <p:ext uri="{BB962C8B-B14F-4D97-AF65-F5344CB8AC3E}">
-        <p14:creationId xmlns:p14="http://schemas.microsoft.com/office/powerpoint/2010/main" val="2853738397"/>
+        <p14:creationId xmlns:p14="http://schemas.microsoft.com/office/powerpoint/2010/main" val="1590180551"/>
       </p:ext>
     </p:extLst>
   </p:cSld>
@@ -758,7 +763,7 @@
           <a:p>
             <a:fld id="{29F53777-726B-0245-858C-03DBBE33423A}" type="datetimeFigureOut">
               <a:rPr lang="en-US" smtClean="0"/>
-              <a:t>2/2/20</a:t>
+              <a:t>2/3/20</a:t>
             </a:fld>
             <a:endParaRPr lang="en-US"/>
           </a:p>
@@ -809,7 +814,7 @@
     </p:spTree>
     <p:extLst>
       <p:ext uri="{BB962C8B-B14F-4D97-AF65-F5344CB8AC3E}">
-        <p14:creationId xmlns:p14="http://schemas.microsoft.com/office/powerpoint/2010/main" val="1067222072"/>
+        <p14:creationId xmlns:p14="http://schemas.microsoft.com/office/powerpoint/2010/main" val="3867746503"/>
       </p:ext>
     </p:extLst>
   </p:cSld>
@@ -848,8 +853,8 @@
         </p:nvSpPr>
         <p:spPr>
           <a:xfrm>
-            <a:off x="499110" y="911860"/>
-            <a:ext cx="6309360" cy="1521460"/>
+            <a:off x="748665" y="911860"/>
+            <a:ext cx="9464040" cy="1521460"/>
           </a:xfrm>
         </p:spPr>
         <p:txBody>
@@ -880,8 +885,8 @@
         </p:nvSpPr>
         <p:spPr>
           <a:xfrm>
-            <a:off x="499110" y="2447714"/>
-            <a:ext cx="6309360" cy="800100"/>
+            <a:off x="748665" y="2447714"/>
+            <a:ext cx="9464040" cy="800100"/>
           </a:xfrm>
         </p:spPr>
         <p:txBody>
@@ -1004,7 +1009,7 @@
           <a:p>
             <a:fld id="{29F53777-726B-0245-858C-03DBBE33423A}" type="datetimeFigureOut">
               <a:rPr lang="en-US" smtClean="0"/>
-              <a:t>2/2/20</a:t>
+              <a:t>2/3/20</a:t>
             </a:fld>
             <a:endParaRPr lang="en-US"/>
           </a:p>
@@ -1055,7 +1060,7 @@
     </p:spTree>
     <p:extLst>
       <p:ext uri="{BB962C8B-B14F-4D97-AF65-F5344CB8AC3E}">
-        <p14:creationId xmlns:p14="http://schemas.microsoft.com/office/powerpoint/2010/main" val="2220738224"/>
+        <p14:creationId xmlns:p14="http://schemas.microsoft.com/office/powerpoint/2010/main" val="3419786231"/>
       </p:ext>
     </p:extLst>
   </p:cSld>
@@ -1117,8 +1122,8 @@
         </p:nvSpPr>
         <p:spPr>
           <a:xfrm>
-            <a:off x="502920" y="973666"/>
-            <a:ext cx="3108960" cy="2320714"/>
+            <a:off x="754380" y="973666"/>
+            <a:ext cx="4663440" cy="2320714"/>
           </a:xfrm>
         </p:spPr>
         <p:txBody>
@@ -1174,8 +1179,8 @@
         </p:nvSpPr>
         <p:spPr>
           <a:xfrm>
-            <a:off x="3703320" y="973666"/>
-            <a:ext cx="3108960" cy="2320714"/>
+            <a:off x="5554980" y="973666"/>
+            <a:ext cx="4663440" cy="2320714"/>
           </a:xfrm>
         </p:spPr>
         <p:txBody>
@@ -1236,7 +1241,7 @@
           <a:p>
             <a:fld id="{29F53777-726B-0245-858C-03DBBE33423A}" type="datetimeFigureOut">
               <a:rPr lang="en-US" smtClean="0"/>
-              <a:t>2/2/20</a:t>
+              <a:t>2/3/20</a:t>
             </a:fld>
             <a:endParaRPr lang="en-US"/>
           </a:p>
@@ -1287,7 +1292,7 @@
     </p:spTree>
     <p:extLst>
       <p:ext uri="{BB962C8B-B14F-4D97-AF65-F5344CB8AC3E}">
-        <p14:creationId xmlns:p14="http://schemas.microsoft.com/office/powerpoint/2010/main" val="962639507"/>
+        <p14:creationId xmlns:p14="http://schemas.microsoft.com/office/powerpoint/2010/main" val="1863620892"/>
       </p:ext>
     </p:extLst>
   </p:cSld>
@@ -1326,8 +1331,8 @@
         </p:nvSpPr>
         <p:spPr>
           <a:xfrm>
-            <a:off x="503873" y="194734"/>
-            <a:ext cx="6309360" cy="706967"/>
+            <a:off x="755809" y="194734"/>
+            <a:ext cx="9464040" cy="706967"/>
           </a:xfrm>
         </p:spPr>
         <p:txBody>
@@ -1354,8 +1359,8 @@
         </p:nvSpPr>
         <p:spPr>
           <a:xfrm>
-            <a:off x="503873" y="896620"/>
-            <a:ext cx="3094672" cy="439420"/>
+            <a:off x="755810" y="896620"/>
+            <a:ext cx="4642008" cy="439420"/>
           </a:xfrm>
         </p:spPr>
         <p:txBody>
@@ -1419,8 +1424,8 @@
         </p:nvSpPr>
         <p:spPr>
           <a:xfrm>
-            <a:off x="503873" y="1336040"/>
-            <a:ext cx="3094672" cy="1965114"/>
+            <a:off x="755810" y="1336040"/>
+            <a:ext cx="4642008" cy="1965114"/>
           </a:xfrm>
         </p:spPr>
         <p:txBody>
@@ -1476,8 +1481,8 @@
         </p:nvSpPr>
         <p:spPr>
           <a:xfrm>
-            <a:off x="3703320" y="896620"/>
-            <a:ext cx="3109913" cy="439420"/>
+            <a:off x="5554980" y="896620"/>
+            <a:ext cx="4664869" cy="439420"/>
           </a:xfrm>
         </p:spPr>
         <p:txBody>
@@ -1541,8 +1546,8 @@
         </p:nvSpPr>
         <p:spPr>
           <a:xfrm>
-            <a:off x="3703320" y="1336040"/>
-            <a:ext cx="3109913" cy="1965114"/>
+            <a:off x="5554980" y="1336040"/>
+            <a:ext cx="4664869" cy="1965114"/>
           </a:xfrm>
         </p:spPr>
         <p:txBody>
@@ -1603,7 +1608,7 @@
           <a:p>
             <a:fld id="{29F53777-726B-0245-858C-03DBBE33423A}" type="datetimeFigureOut">
               <a:rPr lang="en-US" smtClean="0"/>
-              <a:t>2/2/20</a:t>
+              <a:t>2/3/20</a:t>
             </a:fld>
             <a:endParaRPr lang="en-US"/>
           </a:p>
@@ -1654,7 +1659,7 @@
     </p:spTree>
     <p:extLst>
       <p:ext uri="{BB962C8B-B14F-4D97-AF65-F5344CB8AC3E}">
-        <p14:creationId xmlns:p14="http://schemas.microsoft.com/office/powerpoint/2010/main" val="111371851"/>
+        <p14:creationId xmlns:p14="http://schemas.microsoft.com/office/powerpoint/2010/main" val="1396702321"/>
       </p:ext>
     </p:extLst>
   </p:cSld>
@@ -1721,7 +1726,7 @@
           <a:p>
             <a:fld id="{29F53777-726B-0245-858C-03DBBE33423A}" type="datetimeFigureOut">
               <a:rPr lang="en-US" smtClean="0"/>
-              <a:t>2/2/20</a:t>
+              <a:t>2/3/20</a:t>
             </a:fld>
             <a:endParaRPr lang="en-US"/>
           </a:p>
@@ -1772,7 +1777,7 @@
     </p:spTree>
     <p:extLst>
       <p:ext uri="{BB962C8B-B14F-4D97-AF65-F5344CB8AC3E}">
-        <p14:creationId xmlns:p14="http://schemas.microsoft.com/office/powerpoint/2010/main" val="1789280677"/>
+        <p14:creationId xmlns:p14="http://schemas.microsoft.com/office/powerpoint/2010/main" val="3237518338"/>
       </p:ext>
     </p:extLst>
   </p:cSld>
@@ -1816,7 +1821,7 @@
           <a:p>
             <a:fld id="{29F53777-726B-0245-858C-03DBBE33423A}" type="datetimeFigureOut">
               <a:rPr lang="en-US" smtClean="0"/>
-              <a:t>2/2/20</a:t>
+              <a:t>2/3/20</a:t>
             </a:fld>
             <a:endParaRPr lang="en-US"/>
           </a:p>
@@ -1867,7 +1872,7 @@
     </p:spTree>
     <p:extLst>
       <p:ext uri="{BB962C8B-B14F-4D97-AF65-F5344CB8AC3E}">
-        <p14:creationId xmlns:p14="http://schemas.microsoft.com/office/powerpoint/2010/main" val="977775493"/>
+        <p14:creationId xmlns:p14="http://schemas.microsoft.com/office/powerpoint/2010/main" val="347999044"/>
       </p:ext>
     </p:extLst>
   </p:cSld>
@@ -1906,8 +1911,8 @@
         </p:nvSpPr>
         <p:spPr>
           <a:xfrm>
-            <a:off x="503873" y="243840"/>
-            <a:ext cx="2359342" cy="853440"/>
+            <a:off x="755810" y="243840"/>
+            <a:ext cx="3539013" cy="853440"/>
           </a:xfrm>
         </p:spPr>
         <p:txBody>
@@ -1938,8 +1943,8 @@
         </p:nvSpPr>
         <p:spPr>
           <a:xfrm>
-            <a:off x="3109913" y="526627"/>
-            <a:ext cx="3703320" cy="2599267"/>
+            <a:off x="4664869" y="526627"/>
+            <a:ext cx="5554980" cy="2599267"/>
           </a:xfrm>
         </p:spPr>
         <p:txBody>
@@ -2023,8 +2028,8 @@
         </p:nvSpPr>
         <p:spPr>
           <a:xfrm>
-            <a:off x="503873" y="1097280"/>
-            <a:ext cx="2359342" cy="2032847"/>
+            <a:off x="755810" y="1097280"/>
+            <a:ext cx="3539013" cy="2032847"/>
           </a:xfrm>
         </p:spPr>
         <p:txBody>
@@ -2093,7 +2098,7 @@
           <a:p>
             <a:fld id="{29F53777-726B-0245-858C-03DBBE33423A}" type="datetimeFigureOut">
               <a:rPr lang="en-US" smtClean="0"/>
-              <a:t>2/2/20</a:t>
+              <a:t>2/3/20</a:t>
             </a:fld>
             <a:endParaRPr lang="en-US"/>
           </a:p>
@@ -2144,7 +2149,7 @@
     </p:spTree>
     <p:extLst>
       <p:ext uri="{BB962C8B-B14F-4D97-AF65-F5344CB8AC3E}">
-        <p14:creationId xmlns:p14="http://schemas.microsoft.com/office/powerpoint/2010/main" val="3006209221"/>
+        <p14:creationId xmlns:p14="http://schemas.microsoft.com/office/powerpoint/2010/main" val="406025515"/>
       </p:ext>
     </p:extLst>
   </p:cSld>
@@ -2183,8 +2188,8 @@
         </p:nvSpPr>
         <p:spPr>
           <a:xfrm>
-            <a:off x="503873" y="243840"/>
-            <a:ext cx="2359342" cy="853440"/>
+            <a:off x="755810" y="243840"/>
+            <a:ext cx="3539013" cy="853440"/>
           </a:xfrm>
         </p:spPr>
         <p:txBody>
@@ -2215,8 +2220,8 @@
         </p:nvSpPr>
         <p:spPr>
           <a:xfrm>
-            <a:off x="3109913" y="526627"/>
-            <a:ext cx="3703320" cy="2599267"/>
+            <a:off x="4664869" y="526627"/>
+            <a:ext cx="5554980" cy="2599267"/>
           </a:xfrm>
         </p:spPr>
         <p:txBody>
@@ -2280,8 +2285,8 @@
         </p:nvSpPr>
         <p:spPr>
           <a:xfrm>
-            <a:off x="503873" y="1097280"/>
-            <a:ext cx="2359342" cy="2032847"/>
+            <a:off x="755810" y="1097280"/>
+            <a:ext cx="3539013" cy="2032847"/>
           </a:xfrm>
         </p:spPr>
         <p:txBody>
@@ -2350,7 +2355,7 @@
           <a:p>
             <a:fld id="{29F53777-726B-0245-858C-03DBBE33423A}" type="datetimeFigureOut">
               <a:rPr lang="en-US" smtClean="0"/>
-              <a:t>2/2/20</a:t>
+              <a:t>2/3/20</a:t>
             </a:fld>
             <a:endParaRPr lang="en-US"/>
           </a:p>
@@ -2401,7 +2406,7 @@
     </p:spTree>
     <p:extLst>
       <p:ext uri="{BB962C8B-B14F-4D97-AF65-F5344CB8AC3E}">
-        <p14:creationId xmlns:p14="http://schemas.microsoft.com/office/powerpoint/2010/main" val="3991511773"/>
+        <p14:creationId xmlns:p14="http://schemas.microsoft.com/office/powerpoint/2010/main" val="3758466512"/>
       </p:ext>
     </p:extLst>
   </p:cSld>
@@ -2445,8 +2450,8 @@
         </p:nvSpPr>
         <p:spPr>
           <a:xfrm>
-            <a:off x="502920" y="194734"/>
-            <a:ext cx="6309360" cy="706967"/>
+            <a:off x="754380" y="194734"/>
+            <a:ext cx="9464040" cy="706967"/>
           </a:xfrm>
           <a:prstGeom prst="rect">
             <a:avLst/>
@@ -2478,8 +2483,8 @@
         </p:nvSpPr>
         <p:spPr>
           <a:xfrm>
-            <a:off x="502920" y="973666"/>
-            <a:ext cx="6309360" cy="2320714"/>
+            <a:off x="754380" y="973666"/>
+            <a:ext cx="9464040" cy="2320714"/>
           </a:xfrm>
           <a:prstGeom prst="rect">
             <a:avLst/>
@@ -2540,8 +2545,8 @@
         </p:nvSpPr>
         <p:spPr>
           <a:xfrm>
-            <a:off x="502920" y="3390054"/>
-            <a:ext cx="1645920" cy="194733"/>
+            <a:off x="754380" y="3390054"/>
+            <a:ext cx="2468880" cy="194733"/>
           </a:xfrm>
           <a:prstGeom prst="rect">
             <a:avLst/>
@@ -2563,7 +2568,7 @@
           <a:p>
             <a:fld id="{29F53777-726B-0245-858C-03DBBE33423A}" type="datetimeFigureOut">
               <a:rPr lang="en-US" smtClean="0"/>
-              <a:t>2/2/20</a:t>
+              <a:t>2/3/20</a:t>
             </a:fld>
             <a:endParaRPr lang="en-US"/>
           </a:p>
@@ -2581,8 +2586,8 @@
         </p:nvSpPr>
         <p:spPr>
           <a:xfrm>
-            <a:off x="2423160" y="3390054"/>
-            <a:ext cx="2468880" cy="194733"/>
+            <a:off x="3634740" y="3390054"/>
+            <a:ext cx="3703320" cy="194733"/>
           </a:xfrm>
           <a:prstGeom prst="rect">
             <a:avLst/>
@@ -2618,8 +2623,8 @@
         </p:nvSpPr>
         <p:spPr>
           <a:xfrm>
-            <a:off x="5166360" y="3390054"/>
-            <a:ext cx="1645920" cy="194733"/>
+            <a:off x="7749540" y="3390054"/>
+            <a:ext cx="2468880" cy="194733"/>
           </a:xfrm>
           <a:prstGeom prst="rect">
             <a:avLst/>
@@ -2650,23 +2655,23 @@
     </p:spTree>
     <p:extLst>
       <p:ext uri="{BB962C8B-B14F-4D97-AF65-F5344CB8AC3E}">
-        <p14:creationId xmlns:p14="http://schemas.microsoft.com/office/powerpoint/2010/main" val="2789291184"/>
+        <p14:creationId xmlns:p14="http://schemas.microsoft.com/office/powerpoint/2010/main" val="841667582"/>
       </p:ext>
     </p:extLst>
   </p:cSld>
   <p:clrMap bg1="lt1" tx1="dk1" bg2="lt2" tx2="dk2" accent1="accent1" accent2="accent2" accent3="accent3" accent4="accent4" accent5="accent5" accent6="accent6" hlink="hlink" folHlink="folHlink"/>
   <p:sldLayoutIdLst>
-    <p:sldLayoutId id="2147483673" r:id="rId1"/>
-    <p:sldLayoutId id="2147483674" r:id="rId2"/>
-    <p:sldLayoutId id="2147483675" r:id="rId3"/>
-    <p:sldLayoutId id="2147483676" r:id="rId4"/>
-    <p:sldLayoutId id="2147483677" r:id="rId5"/>
-    <p:sldLayoutId id="2147483678" r:id="rId6"/>
-    <p:sldLayoutId id="2147483679" r:id="rId7"/>
-    <p:sldLayoutId id="2147483680" r:id="rId8"/>
-    <p:sldLayoutId id="2147483681" r:id="rId9"/>
-    <p:sldLayoutId id="2147483682" r:id="rId10"/>
-    <p:sldLayoutId id="2147483683" r:id="rId11"/>
+    <p:sldLayoutId id="2147483697" r:id="rId1"/>
+    <p:sldLayoutId id="2147483698" r:id="rId2"/>
+    <p:sldLayoutId id="2147483699" r:id="rId3"/>
+    <p:sldLayoutId id="2147483700" r:id="rId4"/>
+    <p:sldLayoutId id="2147483701" r:id="rId5"/>
+    <p:sldLayoutId id="2147483702" r:id="rId6"/>
+    <p:sldLayoutId id="2147483703" r:id="rId7"/>
+    <p:sldLayoutId id="2147483704" r:id="rId8"/>
+    <p:sldLayoutId id="2147483705" r:id="rId9"/>
+    <p:sldLayoutId id="2147483706" r:id="rId10"/>
+    <p:sldLayoutId id="2147483707" r:id="rId11"/>
   </p:sldLayoutIdLst>
   <p:txStyles>
     <p:titleStyle>
@@ -2989,7 +2994,7 @@
         </p:blipFill>
         <p:spPr>
           <a:xfrm>
-            <a:off x="5297072" y="412195"/>
+            <a:off x="8547410" y="393951"/>
             <a:ext cx="914400" cy="914400"/>
           </a:xfrm>
           <a:prstGeom prst="rect">
@@ -3018,7 +3023,7 @@
         </p:blipFill>
         <p:spPr>
           <a:xfrm>
-            <a:off x="153364" y="412195"/>
+            <a:off x="367678" y="397909"/>
             <a:ext cx="914400" cy="914400"/>
           </a:xfrm>
           <a:prstGeom prst="rect">
@@ -3047,7 +3052,7 @@
         </p:blipFill>
         <p:spPr>
           <a:xfrm>
-            <a:off x="3274843" y="412195"/>
+            <a:off x="3489157" y="397909"/>
             <a:ext cx="914400" cy="914400"/>
           </a:xfrm>
           <a:prstGeom prst="rect">
@@ -3076,7 +3081,7 @@
         </p:blipFill>
         <p:spPr>
           <a:xfrm>
-            <a:off x="2265732" y="412195"/>
+            <a:off x="2480046" y="397909"/>
             <a:ext cx="914400" cy="914400"/>
           </a:xfrm>
           <a:prstGeom prst="rect">
@@ -3106,7 +3111,7 @@
         </p:blipFill>
         <p:spPr>
           <a:xfrm>
-            <a:off x="4283954" y="412195"/>
+            <a:off x="4498268" y="397909"/>
             <a:ext cx="914400" cy="914400"/>
           </a:xfrm>
           <a:prstGeom prst="rect">
@@ -3135,7 +3140,7 @@
         </p:blipFill>
         <p:spPr>
           <a:xfrm>
-            <a:off x="1259871" y="412195"/>
+            <a:off x="1474185" y="397909"/>
             <a:ext cx="914400" cy="914400"/>
           </a:xfrm>
           <a:prstGeom prst="rect">
@@ -3164,7 +3169,7 @@
         </p:blipFill>
         <p:spPr>
           <a:xfrm>
-            <a:off x="6310190" y="412195"/>
+            <a:off x="9560528" y="393951"/>
             <a:ext cx="914400" cy="914400"/>
           </a:xfrm>
           <a:prstGeom prst="rect">
@@ -3186,7 +3191,7 @@
         </p:nvSpPr>
         <p:spPr>
           <a:xfrm>
-            <a:off x="184135" y="42863"/>
+            <a:off x="398451" y="28577"/>
             <a:ext cx="801335" cy="369332"/>
           </a:xfrm>
           <a:prstGeom prst="rect">
@@ -3221,7 +3226,7 @@
         </p:nvSpPr>
         <p:spPr>
           <a:xfrm>
-            <a:off x="1188036" y="42863"/>
+            <a:off x="1402350" y="28577"/>
             <a:ext cx="6170028" cy="369332"/>
           </a:xfrm>
           <a:prstGeom prst="rect">
@@ -3264,7 +3269,7 @@
         </p:blipFill>
         <p:spPr>
           <a:xfrm>
-            <a:off x="4283954" y="1484419"/>
+            <a:off x="4498268" y="1470133"/>
             <a:ext cx="914400" cy="914400"/>
           </a:xfrm>
           <a:prstGeom prst="rect">
@@ -3294,7 +3299,7 @@
         </p:blipFill>
         <p:spPr>
           <a:xfrm>
-            <a:off x="6310190" y="1484419"/>
+            <a:off x="9560528" y="1466787"/>
             <a:ext cx="914400" cy="914400"/>
           </a:xfrm>
           <a:prstGeom prst="rect">
@@ -3323,7 +3328,7 @@
         </p:blipFill>
         <p:spPr>
           <a:xfrm>
-            <a:off x="3274843" y="1484419"/>
+            <a:off x="3489157" y="1470133"/>
             <a:ext cx="914400" cy="914400"/>
           </a:xfrm>
           <a:prstGeom prst="rect">
@@ -3353,7 +3358,7 @@
         </p:blipFill>
         <p:spPr>
           <a:xfrm>
-            <a:off x="5297072" y="1484419"/>
+            <a:off x="8547410" y="1466787"/>
             <a:ext cx="914400" cy="914400"/>
           </a:xfrm>
           <a:prstGeom prst="rect">
@@ -3382,7 +3387,7 @@
         </p:blipFill>
         <p:spPr>
           <a:xfrm>
-            <a:off x="2265732" y="1484419"/>
+            <a:off x="2480046" y="1470133"/>
             <a:ext cx="914400" cy="914400"/>
           </a:xfrm>
           <a:prstGeom prst="rect">
@@ -3411,7 +3416,7 @@
         </p:blipFill>
         <p:spPr>
           <a:xfrm>
-            <a:off x="1259871" y="1484419"/>
+            <a:off x="1474185" y="1470133"/>
             <a:ext cx="914400" cy="914400"/>
           </a:xfrm>
           <a:prstGeom prst="rect">
@@ -3440,7 +3445,7 @@
         </p:blipFill>
         <p:spPr>
           <a:xfrm>
-            <a:off x="153364" y="1484419"/>
+            <a:off x="367678" y="1470133"/>
             <a:ext cx="914400" cy="914400"/>
           </a:xfrm>
           <a:prstGeom prst="rect">
@@ -3464,7 +3469,7 @@
         </p:nvCxnSpPr>
         <p:spPr>
           <a:xfrm flipV="1">
-            <a:off x="1152541" y="190706"/>
+            <a:off x="1366855" y="176420"/>
             <a:ext cx="0" cy="3382674"/>
           </a:xfrm>
           <a:prstGeom prst="line">
@@ -3508,7 +3513,7 @@
         </p:blipFill>
         <p:spPr>
           <a:xfrm>
-            <a:off x="6306860" y="2553909"/>
+            <a:off x="9566878" y="2539623"/>
             <a:ext cx="914400" cy="914400"/>
           </a:xfrm>
           <a:prstGeom prst="rect">
@@ -3537,7 +3542,7 @@
         </p:blipFill>
         <p:spPr>
           <a:xfrm>
-            <a:off x="1259871" y="2556643"/>
+            <a:off x="1474185" y="2542357"/>
             <a:ext cx="914400" cy="914400"/>
           </a:xfrm>
           <a:prstGeom prst="rect">
@@ -3566,7 +3571,7 @@
         </p:blipFill>
         <p:spPr>
           <a:xfrm>
-            <a:off x="5297072" y="2560601"/>
+            <a:off x="5511386" y="2546315"/>
             <a:ext cx="914400" cy="914400"/>
           </a:xfrm>
           <a:prstGeom prst="rect">
@@ -3595,7 +3600,7 @@
         </p:blipFill>
         <p:spPr>
           <a:xfrm>
-            <a:off x="153364" y="2556643"/>
+            <a:off x="367678" y="2542357"/>
             <a:ext cx="914400" cy="914400"/>
           </a:xfrm>
           <a:prstGeom prst="rect">
@@ -3624,7 +3629,7 @@
         </p:blipFill>
         <p:spPr>
           <a:xfrm>
-            <a:off x="2261048" y="2556643"/>
+            <a:off x="2475362" y="2542357"/>
             <a:ext cx="914400" cy="914400"/>
           </a:xfrm>
           <a:prstGeom prst="rect">
@@ -3653,7 +3658,7 @@
         </p:blipFill>
         <p:spPr>
           <a:xfrm>
-            <a:off x="3274166" y="2556643"/>
+            <a:off x="3488480" y="2542357"/>
             <a:ext cx="914400" cy="914400"/>
           </a:xfrm>
           <a:prstGeom prst="rect">
@@ -3682,7 +3687,277 @@
         </p:blipFill>
         <p:spPr>
           <a:xfrm>
-            <a:off x="4283954" y="2553909"/>
+            <a:off x="4498268" y="2539623"/>
+            <a:ext cx="914400" cy="914400"/>
+          </a:xfrm>
+          <a:prstGeom prst="rect">
+            <a:avLst/>
+          </a:prstGeom>
+        </p:spPr>
+      </p:pic>
+      <p:pic>
+        <p:nvPicPr>
+          <p:cNvPr id="3" name="Picture 2">
+            <a:extLst>
+              <a:ext uri="{FF2B5EF4-FFF2-40B4-BE49-F238E27FC236}">
+                <a16:creationId xmlns:a16="http://schemas.microsoft.com/office/drawing/2014/main" id="{7D4CF503-3948-AB4E-9514-545221902919}"/>
+              </a:ext>
+            </a:extLst>
+          </p:cNvPr>
+          <p:cNvPicPr>
+            <a:picLocks/>
+          </p:cNvPicPr>
+          <p:nvPr/>
+        </p:nvPicPr>
+        <p:blipFill>
+          <a:blip r:embed="rId23"/>
+          <a:stretch>
+            <a:fillRect/>
+          </a:stretch>
+        </p:blipFill>
+        <p:spPr>
+          <a:xfrm>
+            <a:off x="7534292" y="393951"/>
+            <a:ext cx="914400" cy="914400"/>
+          </a:xfrm>
+          <a:prstGeom prst="rect">
+            <a:avLst/>
+          </a:prstGeom>
+        </p:spPr>
+      </p:pic>
+      <p:pic>
+        <p:nvPicPr>
+          <p:cNvPr id="5" name="Picture 4">
+            <a:extLst>
+              <a:ext uri="{FF2B5EF4-FFF2-40B4-BE49-F238E27FC236}">
+                <a16:creationId xmlns:a16="http://schemas.microsoft.com/office/drawing/2014/main" id="{6159B9C7-D31E-D24E-B5D0-B672EE0D7394}"/>
+              </a:ext>
+            </a:extLst>
+          </p:cNvPr>
+          <p:cNvPicPr>
+            <a:picLocks/>
+          </p:cNvPicPr>
+          <p:nvPr/>
+        </p:nvPicPr>
+        <p:blipFill>
+          <a:blip r:embed="rId24"/>
+          <a:stretch>
+            <a:fillRect/>
+          </a:stretch>
+        </p:blipFill>
+        <p:spPr>
+          <a:xfrm>
+            <a:off x="6523603" y="393951"/>
+            <a:ext cx="911973" cy="914400"/>
+          </a:xfrm>
+          <a:prstGeom prst="rect">
+            <a:avLst/>
+          </a:prstGeom>
+        </p:spPr>
+      </p:pic>
+      <p:pic>
+        <p:nvPicPr>
+          <p:cNvPr id="8" name="Picture 7">
+            <a:extLst>
+              <a:ext uri="{FF2B5EF4-FFF2-40B4-BE49-F238E27FC236}">
+                <a16:creationId xmlns:a16="http://schemas.microsoft.com/office/drawing/2014/main" id="{7A4BC623-9F13-834A-A705-224E57F15A5C}"/>
+              </a:ext>
+            </a:extLst>
+          </p:cNvPr>
+          <p:cNvPicPr>
+            <a:picLocks/>
+          </p:cNvPicPr>
+          <p:nvPr/>
+        </p:nvPicPr>
+        <p:blipFill>
+          <a:blip r:embed="rId25"/>
+          <a:stretch>
+            <a:fillRect/>
+          </a:stretch>
+        </p:blipFill>
+        <p:spPr>
+          <a:xfrm>
+            <a:off x="5510483" y="393951"/>
+            <a:ext cx="914400" cy="914400"/>
+          </a:xfrm>
+          <a:prstGeom prst="rect">
+            <a:avLst/>
+          </a:prstGeom>
+        </p:spPr>
+      </p:pic>
+      <p:pic>
+        <p:nvPicPr>
+          <p:cNvPr id="16" name="Picture 15">
+            <a:extLst>
+              <a:ext uri="{FF2B5EF4-FFF2-40B4-BE49-F238E27FC236}">
+                <a16:creationId xmlns:a16="http://schemas.microsoft.com/office/drawing/2014/main" id="{3FC67B2E-B299-6A47-B0C7-3A130752DC7D}"/>
+              </a:ext>
+            </a:extLst>
+          </p:cNvPr>
+          <p:cNvPicPr>
+            <a:picLocks/>
+          </p:cNvPicPr>
+          <p:nvPr/>
+        </p:nvPicPr>
+        <p:blipFill>
+          <a:blip r:embed="rId26"/>
+          <a:stretch>
+            <a:fillRect/>
+          </a:stretch>
+        </p:blipFill>
+        <p:spPr>
+          <a:xfrm>
+            <a:off x="6522387" y="2539623"/>
+            <a:ext cx="914400" cy="914400"/>
+          </a:xfrm>
+          <a:prstGeom prst="rect">
+            <a:avLst/>
+          </a:prstGeom>
+        </p:spPr>
+      </p:pic>
+      <p:pic>
+        <p:nvPicPr>
+          <p:cNvPr id="22" name="Picture 21">
+            <a:extLst>
+              <a:ext uri="{FF2B5EF4-FFF2-40B4-BE49-F238E27FC236}">
+                <a16:creationId xmlns:a16="http://schemas.microsoft.com/office/drawing/2014/main" id="{730BE1CF-E1A2-FF48-8C42-A315443432C0}"/>
+              </a:ext>
+            </a:extLst>
+          </p:cNvPr>
+          <p:cNvPicPr>
+            <a:picLocks/>
+          </p:cNvPicPr>
+          <p:nvPr/>
+        </p:nvPicPr>
+        <p:blipFill>
+          <a:blip r:embed="rId27"/>
+          <a:stretch>
+            <a:fillRect/>
+          </a:stretch>
+        </p:blipFill>
+        <p:spPr>
+          <a:xfrm>
+            <a:off x="8547410" y="2539623"/>
+            <a:ext cx="914400" cy="914400"/>
+          </a:xfrm>
+          <a:prstGeom prst="rect">
+            <a:avLst/>
+          </a:prstGeom>
+        </p:spPr>
+      </p:pic>
+      <p:pic>
+        <p:nvPicPr>
+          <p:cNvPr id="26" name="Picture 25">
+            <a:extLst>
+              <a:ext uri="{FF2B5EF4-FFF2-40B4-BE49-F238E27FC236}">
+                <a16:creationId xmlns:a16="http://schemas.microsoft.com/office/drawing/2014/main" id="{3D87AA72-F885-714C-BE21-149535FD6241}"/>
+              </a:ext>
+            </a:extLst>
+          </p:cNvPr>
+          <p:cNvPicPr>
+            <a:picLocks/>
+          </p:cNvPicPr>
+          <p:nvPr/>
+        </p:nvPicPr>
+        <p:blipFill>
+          <a:blip r:embed="rId28"/>
+          <a:stretch>
+            <a:fillRect/>
+          </a:stretch>
+        </p:blipFill>
+        <p:spPr>
+          <a:xfrm>
+            <a:off x="7527942" y="2546315"/>
+            <a:ext cx="914400" cy="914400"/>
+          </a:xfrm>
+          <a:prstGeom prst="rect">
+            <a:avLst/>
+          </a:prstGeom>
+        </p:spPr>
+      </p:pic>
+      <p:pic>
+        <p:nvPicPr>
+          <p:cNvPr id="30" name="Picture 29">
+            <a:extLst>
+              <a:ext uri="{FF2B5EF4-FFF2-40B4-BE49-F238E27FC236}">
+                <a16:creationId xmlns:a16="http://schemas.microsoft.com/office/drawing/2014/main" id="{BC14A940-DC42-F447-8CAC-CC4A1EA4C673}"/>
+              </a:ext>
+            </a:extLst>
+          </p:cNvPr>
+          <p:cNvPicPr>
+            <a:picLocks/>
+          </p:cNvPicPr>
+          <p:nvPr/>
+        </p:nvPicPr>
+        <p:blipFill>
+          <a:blip r:embed="rId29"/>
+          <a:stretch>
+            <a:fillRect/>
+          </a:stretch>
+        </p:blipFill>
+        <p:spPr>
+          <a:xfrm>
+            <a:off x="6529951" y="1470133"/>
+            <a:ext cx="914400" cy="914400"/>
+          </a:xfrm>
+          <a:prstGeom prst="rect">
+            <a:avLst/>
+          </a:prstGeom>
+        </p:spPr>
+      </p:pic>
+      <p:pic>
+        <p:nvPicPr>
+          <p:cNvPr id="40" name="Picture 39">
+            <a:extLst>
+              <a:ext uri="{FF2B5EF4-FFF2-40B4-BE49-F238E27FC236}">
+                <a16:creationId xmlns:a16="http://schemas.microsoft.com/office/drawing/2014/main" id="{56C8B243-09B1-1F4F-B166-F8B1BB10FC19}"/>
+              </a:ext>
+            </a:extLst>
+          </p:cNvPr>
+          <p:cNvPicPr>
+            <a:picLocks/>
+          </p:cNvPicPr>
+          <p:nvPr/>
+        </p:nvPicPr>
+        <p:blipFill>
+          <a:blip r:embed="rId30"/>
+          <a:stretch>
+            <a:fillRect/>
+          </a:stretch>
+        </p:blipFill>
+        <p:spPr>
+          <a:xfrm>
+            <a:off x="7549419" y="1470133"/>
+            <a:ext cx="914400" cy="914400"/>
+          </a:xfrm>
+          <a:prstGeom prst="rect">
+            <a:avLst/>
+          </a:prstGeom>
+        </p:spPr>
+      </p:pic>
+      <p:pic>
+        <p:nvPicPr>
+          <p:cNvPr id="43" name="Picture 42">
+            <a:extLst>
+              <a:ext uri="{FF2B5EF4-FFF2-40B4-BE49-F238E27FC236}">
+                <a16:creationId xmlns:a16="http://schemas.microsoft.com/office/drawing/2014/main" id="{9233069A-9BA7-1E46-8EE9-EEDDED4A3B4C}"/>
+              </a:ext>
+            </a:extLst>
+          </p:cNvPr>
+          <p:cNvPicPr>
+            <a:picLocks/>
+          </p:cNvPicPr>
+          <p:nvPr/>
+        </p:nvPicPr>
+        <p:blipFill>
+          <a:blip r:embed="rId31"/>
+          <a:stretch>
+            <a:fillRect/>
+          </a:stretch>
+        </p:blipFill>
+        <p:spPr>
+          <a:xfrm>
+            <a:off x="5510483" y="1470133"/>
             <a:ext cx="914400" cy="914400"/>
           </a:xfrm>
           <a:prstGeom prst="rect">
